--- a/IROS17/pictures/pdf/driftmove3.pptx
+++ b/IROS17/pictures/pdf/driftmove3.pptx
@@ -288,7 +288,7 @@
           <a:p>
             <a:fld id="{2ECC5DDF-89BA-FF4F-A8D3-F81D48191EB2}" type="datetimeFigureOut">
               <a:rPr lang="en-US" smtClean="0"/>
-              <a:t>2/20/17</a:t>
+              <a:t>2/24/17</a:t>
             </a:fld>
             <a:endParaRPr lang="en-US"/>
           </a:p>
@@ -458,7 +458,7 @@
           <a:p>
             <a:fld id="{2ECC5DDF-89BA-FF4F-A8D3-F81D48191EB2}" type="datetimeFigureOut">
               <a:rPr lang="en-US" smtClean="0"/>
-              <a:t>2/20/17</a:t>
+              <a:t>2/24/17</a:t>
             </a:fld>
             <a:endParaRPr lang="en-US"/>
           </a:p>
@@ -638,7 +638,7 @@
           <a:p>
             <a:fld id="{2ECC5DDF-89BA-FF4F-A8D3-F81D48191EB2}" type="datetimeFigureOut">
               <a:rPr lang="en-US" smtClean="0"/>
-              <a:t>2/20/17</a:t>
+              <a:t>2/24/17</a:t>
             </a:fld>
             <a:endParaRPr lang="en-US"/>
           </a:p>
@@ -808,7 +808,7 @@
           <a:p>
             <a:fld id="{2ECC5DDF-89BA-FF4F-A8D3-F81D48191EB2}" type="datetimeFigureOut">
               <a:rPr lang="en-US" smtClean="0"/>
-              <a:t>2/20/17</a:t>
+              <a:t>2/24/17</a:t>
             </a:fld>
             <a:endParaRPr lang="en-US"/>
           </a:p>
@@ -1054,7 +1054,7 @@
           <a:p>
             <a:fld id="{2ECC5DDF-89BA-FF4F-A8D3-F81D48191EB2}" type="datetimeFigureOut">
               <a:rPr lang="en-US" smtClean="0"/>
-              <a:t>2/20/17</a:t>
+              <a:t>2/24/17</a:t>
             </a:fld>
             <a:endParaRPr lang="en-US"/>
           </a:p>
@@ -1342,7 +1342,7 @@
           <a:p>
             <a:fld id="{2ECC5DDF-89BA-FF4F-A8D3-F81D48191EB2}" type="datetimeFigureOut">
               <a:rPr lang="en-US" smtClean="0"/>
-              <a:t>2/20/17</a:t>
+              <a:t>2/24/17</a:t>
             </a:fld>
             <a:endParaRPr lang="en-US"/>
           </a:p>
@@ -1764,7 +1764,7 @@
           <a:p>
             <a:fld id="{2ECC5DDF-89BA-FF4F-A8D3-F81D48191EB2}" type="datetimeFigureOut">
               <a:rPr lang="en-US" smtClean="0"/>
-              <a:t>2/20/17</a:t>
+              <a:t>2/24/17</a:t>
             </a:fld>
             <a:endParaRPr lang="en-US"/>
           </a:p>
@@ -1882,7 +1882,7 @@
           <a:p>
             <a:fld id="{2ECC5DDF-89BA-FF4F-A8D3-F81D48191EB2}" type="datetimeFigureOut">
               <a:rPr lang="en-US" smtClean="0"/>
-              <a:t>2/20/17</a:t>
+              <a:t>2/24/17</a:t>
             </a:fld>
             <a:endParaRPr lang="en-US"/>
           </a:p>
@@ -1977,7 +1977,7 @@
           <a:p>
             <a:fld id="{2ECC5DDF-89BA-FF4F-A8D3-F81D48191EB2}" type="datetimeFigureOut">
               <a:rPr lang="en-US" smtClean="0"/>
-              <a:t>2/20/17</a:t>
+              <a:t>2/24/17</a:t>
             </a:fld>
             <a:endParaRPr lang="en-US"/>
           </a:p>
@@ -2254,7 +2254,7 @@
           <a:p>
             <a:fld id="{2ECC5DDF-89BA-FF4F-A8D3-F81D48191EB2}" type="datetimeFigureOut">
               <a:rPr lang="en-US" smtClean="0"/>
-              <a:t>2/20/17</a:t>
+              <a:t>2/24/17</a:t>
             </a:fld>
             <a:endParaRPr lang="en-US"/>
           </a:p>
@@ -2507,7 +2507,7 @@
           <a:p>
             <a:fld id="{2ECC5DDF-89BA-FF4F-A8D3-F81D48191EB2}" type="datetimeFigureOut">
               <a:rPr lang="en-US" smtClean="0"/>
-              <a:t>2/20/17</a:t>
+              <a:t>2/24/17</a:t>
             </a:fld>
             <a:endParaRPr lang="en-US"/>
           </a:p>
@@ -2720,7 +2720,7 @@
           <a:p>
             <a:fld id="{2ECC5DDF-89BA-FF4F-A8D3-F81D48191EB2}" type="datetimeFigureOut">
               <a:rPr lang="en-US" smtClean="0"/>
-              <a:t>2/20/17</a:t>
+              <a:t>2/24/17</a:t>
             </a:fld>
             <a:endParaRPr lang="en-US"/>
           </a:p>
@@ -3095,927 +3095,29 @@
           <a:chExt cx="0" cy="0"/>
         </a:xfrm>
       </p:grpSpPr>
-      <p:cxnSp>
-        <p:nvCxnSpPr>
-          <p:cNvPr id="85" name="Straight Arrow Connector 84"/>
-          <p:cNvCxnSpPr/>
-          <p:nvPr/>
-        </p:nvCxnSpPr>
-        <p:spPr>
-          <a:xfrm>
-            <a:off x="120690" y="1226582"/>
-            <a:ext cx="1391326" cy="818256"/>
-          </a:xfrm>
-          <a:prstGeom prst="straightConnector1">
-            <a:avLst/>
-          </a:prstGeom>
-          <a:ln w="38100" cmpd="sng">
-            <a:solidFill>
-              <a:srgbClr val="FF0000"/>
-            </a:solidFill>
-            <a:headEnd type="none"/>
-            <a:tailEnd type="triangle"/>
-          </a:ln>
-        </p:spPr>
-        <p:style>
-          <a:lnRef idx="2">
-            <a:schemeClr val="accent1"/>
-          </a:lnRef>
-          <a:fillRef idx="0">
-            <a:schemeClr val="accent1"/>
-          </a:fillRef>
-          <a:effectRef idx="1">
-            <a:schemeClr val="accent1"/>
-          </a:effectRef>
-          <a:fontRef idx="minor">
-            <a:schemeClr val="tx1"/>
-          </a:fontRef>
-        </p:style>
-      </p:cxnSp>
-      <p:cxnSp>
-        <p:nvCxnSpPr>
-          <p:cNvPr id="86" name="Straight Arrow Connector 85"/>
-          <p:cNvCxnSpPr/>
-          <p:nvPr/>
-        </p:nvCxnSpPr>
-        <p:spPr>
-          <a:xfrm flipV="1">
-            <a:off x="1512016" y="1226582"/>
-            <a:ext cx="1391326" cy="818256"/>
-          </a:xfrm>
-          <a:prstGeom prst="straightConnector1">
-            <a:avLst/>
-          </a:prstGeom>
-          <a:ln w="38100" cmpd="sng">
-            <a:solidFill>
-              <a:srgbClr val="FF0000"/>
-            </a:solidFill>
-            <a:headEnd type="none"/>
-            <a:tailEnd type="triangle"/>
-          </a:ln>
-        </p:spPr>
-        <p:style>
-          <a:lnRef idx="2">
-            <a:schemeClr val="accent1"/>
-          </a:lnRef>
-          <a:fillRef idx="0">
-            <a:schemeClr val="accent1"/>
-          </a:fillRef>
-          <a:effectRef idx="1">
-            <a:schemeClr val="accent1"/>
-          </a:effectRef>
-          <a:fontRef idx="minor">
-            <a:schemeClr val="tx1"/>
-          </a:fontRef>
-        </p:style>
-      </p:cxnSp>
-      <p:cxnSp>
-        <p:nvCxnSpPr>
-          <p:cNvPr id="87" name="Straight Arrow Connector 86"/>
-          <p:cNvCxnSpPr/>
-          <p:nvPr/>
-        </p:nvCxnSpPr>
-        <p:spPr>
-          <a:xfrm flipH="1">
-            <a:off x="1181742" y="1226582"/>
-            <a:ext cx="1721600" cy="0"/>
-          </a:xfrm>
-          <a:prstGeom prst="straightConnector1">
-            <a:avLst/>
-          </a:prstGeom>
-          <a:ln w="38100" cmpd="sng">
-            <a:solidFill>
-              <a:srgbClr val="FF0000"/>
-            </a:solidFill>
-            <a:headEnd type="none"/>
-            <a:tailEnd type="triangle"/>
-          </a:ln>
-        </p:spPr>
-        <p:style>
-          <a:lnRef idx="2">
-            <a:schemeClr val="accent1"/>
-          </a:lnRef>
-          <a:fillRef idx="0">
-            <a:schemeClr val="accent1"/>
-          </a:fillRef>
-          <a:effectRef idx="1">
-            <a:schemeClr val="accent1"/>
-          </a:effectRef>
-          <a:fontRef idx="minor">
-            <a:schemeClr val="tx1"/>
-          </a:fontRef>
-        </p:style>
-      </p:cxnSp>
-      <p:sp>
-        <p:nvSpPr>
-          <p:cNvPr id="88" name="Right Brace 87"/>
-          <p:cNvSpPr/>
-          <p:nvPr/>
-        </p:nvSpPr>
-        <p:spPr>
-          <a:xfrm rot="16200000">
-            <a:off x="1418634" y="-491844"/>
-            <a:ext cx="186764" cy="2782652"/>
-          </a:xfrm>
-          <a:prstGeom prst="rightBrace">
-            <a:avLst>
-              <a:gd name="adj1" fmla="val 72933"/>
-              <a:gd name="adj2" fmla="val 50000"/>
-            </a:avLst>
-          </a:prstGeom>
-        </p:spPr>
-        <p:style>
-          <a:lnRef idx="2">
-            <a:schemeClr val="accent1"/>
-          </a:lnRef>
-          <a:fillRef idx="0">
-            <a:schemeClr val="accent1"/>
-          </a:fillRef>
-          <a:effectRef idx="1">
-            <a:schemeClr val="accent1"/>
-          </a:effectRef>
-          <a:fontRef idx="minor">
-            <a:schemeClr val="tx1"/>
-          </a:fontRef>
-        </p:style>
-        <p:txBody>
-          <a:bodyPr rtlCol="0" anchor="ctr"/>
-          <a:lstStyle/>
-          <a:p>
-            <a:pPr algn="ctr"/>
-            <a:endParaRPr lang="en-US" sz="3200"/>
-          </a:p>
-        </p:txBody>
-      </p:sp>
-      <p:sp>
-        <p:nvSpPr>
-          <p:cNvPr id="89" name="Right Brace 88"/>
-          <p:cNvSpPr/>
-          <p:nvPr/>
-        </p:nvSpPr>
-        <p:spPr>
-          <a:xfrm rot="16200000">
-            <a:off x="1949160" y="210132"/>
-            <a:ext cx="186764" cy="1721600"/>
-          </a:xfrm>
-          <a:prstGeom prst="rightBrace">
-            <a:avLst>
-              <a:gd name="adj1" fmla="val 72933"/>
-              <a:gd name="adj2" fmla="val 50000"/>
-            </a:avLst>
-          </a:prstGeom>
-        </p:spPr>
-        <p:style>
-          <a:lnRef idx="2">
-            <a:schemeClr val="accent1"/>
-          </a:lnRef>
-          <a:fillRef idx="0">
-            <a:schemeClr val="accent1"/>
-          </a:fillRef>
-          <a:effectRef idx="1">
-            <a:schemeClr val="accent1"/>
-          </a:effectRef>
-          <a:fontRef idx="minor">
-            <a:schemeClr val="tx1"/>
-          </a:fontRef>
-        </p:style>
-        <p:txBody>
-          <a:bodyPr rtlCol="0" anchor="ctr"/>
-          <a:lstStyle/>
-          <a:p>
-            <a:pPr algn="ctr"/>
-            <a:endParaRPr lang="en-US" sz="3200"/>
-          </a:p>
-        </p:txBody>
-      </p:sp>
-      <p:sp>
-        <p:nvSpPr>
-          <p:cNvPr id="90" name="Right Brace 89"/>
-          <p:cNvSpPr/>
-          <p:nvPr/>
-        </p:nvSpPr>
-        <p:spPr>
-          <a:xfrm>
-            <a:off x="2958810" y="1226582"/>
-            <a:ext cx="186764" cy="818256"/>
-          </a:xfrm>
-          <a:prstGeom prst="rightBrace">
-            <a:avLst>
-              <a:gd name="adj1" fmla="val 72933"/>
-              <a:gd name="adj2" fmla="val 50000"/>
-            </a:avLst>
-          </a:prstGeom>
-        </p:spPr>
-        <p:style>
-          <a:lnRef idx="2">
-            <a:schemeClr val="accent1"/>
-          </a:lnRef>
-          <a:fillRef idx="0">
-            <a:schemeClr val="accent1"/>
-          </a:fillRef>
-          <a:effectRef idx="1">
-            <a:schemeClr val="accent1"/>
-          </a:effectRef>
-          <a:fontRef idx="minor">
-            <a:schemeClr val="tx1"/>
-          </a:fontRef>
-        </p:style>
-        <p:txBody>
-          <a:bodyPr rtlCol="0" anchor="ctr"/>
-          <a:lstStyle/>
-          <a:p>
-            <a:pPr algn="ctr"/>
-            <a:endParaRPr lang="en-US" sz="3200"/>
-          </a:p>
-        </p:txBody>
-      </p:sp>
-      <p:sp>
-        <p:nvSpPr>
-          <p:cNvPr id="91" name="TextBox 90"/>
-          <p:cNvSpPr txBox="1"/>
-          <p:nvPr/>
-        </p:nvSpPr>
-        <p:spPr>
-          <a:xfrm>
-            <a:off x="1308068" y="231352"/>
-            <a:ext cx="476624" cy="584776"/>
-          </a:xfrm>
-          <a:prstGeom prst="rect">
-            <a:avLst/>
-          </a:prstGeom>
-          <a:noFill/>
-        </p:spPr>
-        <p:txBody>
-          <a:bodyPr wrap="square" rtlCol="0">
-            <a:spAutoFit/>
-          </a:bodyPr>
-          <a:lstStyle/>
-          <a:p>
-            <a:r>
-              <a:rPr lang="en-US" sz="3200" dirty="0" smtClean="0">
-                <a:latin typeface="Times New Roman"/>
-                <a:cs typeface="Times New Roman"/>
-              </a:rPr>
-              <a:t>β</a:t>
-            </a:r>
-            <a:endParaRPr lang="en-US" sz="3200" dirty="0">
-              <a:latin typeface="Times New Roman"/>
-              <a:cs typeface="Times New Roman"/>
-            </a:endParaRPr>
-          </a:p>
-        </p:txBody>
-      </p:sp>
-      <p:sp>
-        <p:nvSpPr>
-          <p:cNvPr id="92" name="TextBox 91"/>
-          <p:cNvSpPr txBox="1"/>
-          <p:nvPr/>
-        </p:nvSpPr>
-        <p:spPr>
-          <a:xfrm>
-            <a:off x="3129699" y="1266199"/>
-            <a:ext cx="1181100" cy="584776"/>
-          </a:xfrm>
-          <a:prstGeom prst="rect">
-            <a:avLst/>
-          </a:prstGeom>
-          <a:noFill/>
-        </p:spPr>
-        <p:txBody>
-          <a:bodyPr wrap="square" rtlCol="0">
-            <a:spAutoFit/>
-          </a:bodyPr>
-          <a:lstStyle/>
-          <a:p>
-            <a:r>
-              <a:rPr lang="en-US" sz="3200" dirty="0" err="1" smtClean="0">
-                <a:latin typeface="Times New Roman"/>
-                <a:cs typeface="Times New Roman"/>
-              </a:rPr>
-              <a:t>ε</a:t>
-            </a:r>
-            <a:endParaRPr lang="en-US" sz="3200" dirty="0">
-              <a:latin typeface="Times New Roman"/>
-              <a:cs typeface="Times New Roman"/>
-            </a:endParaRPr>
-          </a:p>
-        </p:txBody>
-      </p:sp>
-      <p:sp>
-        <p:nvSpPr>
-          <p:cNvPr id="93" name="TextBox 92"/>
-          <p:cNvSpPr txBox="1"/>
-          <p:nvPr/>
-        </p:nvSpPr>
-        <p:spPr>
-          <a:xfrm>
-            <a:off x="1848492" y="366917"/>
-            <a:ext cx="1181100" cy="584776"/>
-          </a:xfrm>
-          <a:prstGeom prst="rect">
-            <a:avLst/>
-          </a:prstGeom>
-          <a:noFill/>
-        </p:spPr>
-        <p:txBody>
-          <a:bodyPr wrap="square" rtlCol="0">
-            <a:spAutoFit/>
-          </a:bodyPr>
-          <a:lstStyle/>
-          <a:p>
-            <a:r>
-              <a:rPr lang="en-US" sz="3200" dirty="0" smtClean="0">
-                <a:latin typeface="Times New Roman"/>
-                <a:cs typeface="Times New Roman"/>
-              </a:rPr>
-              <a:t>α</a:t>
-            </a:r>
-            <a:endParaRPr lang="en-US" sz="3200" dirty="0">
-              <a:latin typeface="Times New Roman"/>
-              <a:cs typeface="Times New Roman"/>
-            </a:endParaRPr>
-          </a:p>
-        </p:txBody>
-      </p:sp>
-      <p:sp>
-        <p:nvSpPr>
-          <p:cNvPr id="94" name="Oval 93"/>
-          <p:cNvSpPr>
-            <a:spLocks noChangeAspect="1"/>
-          </p:cNvSpPr>
-          <p:nvPr/>
-        </p:nvSpPr>
-        <p:spPr>
-          <a:xfrm>
-            <a:off x="7769752" y="1186765"/>
-            <a:ext cx="547910" cy="548640"/>
-          </a:xfrm>
-          <a:prstGeom prst="ellipse">
-            <a:avLst/>
-          </a:prstGeom>
-          <a:solidFill>
-            <a:schemeClr val="accent1">
-              <a:alpha val="78000"/>
-            </a:schemeClr>
-          </a:solidFill>
-          <a:ln>
-            <a:noFill/>
-          </a:ln>
-        </p:spPr>
-        <p:style>
-          <a:lnRef idx="1">
-            <a:schemeClr val="accent1"/>
-          </a:lnRef>
-          <a:fillRef idx="3">
-            <a:schemeClr val="accent1"/>
-          </a:fillRef>
-          <a:effectRef idx="2">
-            <a:schemeClr val="accent1"/>
-          </a:effectRef>
-          <a:fontRef idx="minor">
-            <a:schemeClr val="lt1"/>
-          </a:fontRef>
-        </p:style>
-        <p:txBody>
-          <a:bodyPr rtlCol="0" anchor="ctr"/>
-          <a:lstStyle/>
-          <a:p>
-            <a:pPr algn="ctr"/>
-            <a:endParaRPr lang="en-US" sz="3200"/>
-          </a:p>
-        </p:txBody>
-      </p:sp>
-      <p:sp>
-        <p:nvSpPr>
-          <p:cNvPr id="95" name="Oval 94"/>
-          <p:cNvSpPr>
-            <a:spLocks noChangeAspect="1"/>
-          </p:cNvSpPr>
-          <p:nvPr/>
-        </p:nvSpPr>
-        <p:spPr>
-          <a:xfrm>
-            <a:off x="7286207" y="1186765"/>
-            <a:ext cx="547910" cy="548640"/>
-          </a:xfrm>
-          <a:prstGeom prst="ellipse">
-            <a:avLst/>
-          </a:prstGeom>
-          <a:solidFill>
-            <a:schemeClr val="accent1">
-              <a:alpha val="90000"/>
-            </a:schemeClr>
-          </a:solidFill>
-          <a:ln>
-            <a:noFill/>
-          </a:ln>
-        </p:spPr>
-        <p:style>
-          <a:lnRef idx="1">
-            <a:schemeClr val="accent1"/>
-          </a:lnRef>
-          <a:fillRef idx="3">
-            <a:schemeClr val="accent1"/>
-          </a:fillRef>
-          <a:effectRef idx="2">
-            <a:schemeClr val="accent1"/>
-          </a:effectRef>
-          <a:fontRef idx="minor">
-            <a:schemeClr val="lt1"/>
-          </a:fontRef>
-        </p:style>
-        <p:txBody>
-          <a:bodyPr rtlCol="0" anchor="ctr"/>
-          <a:lstStyle/>
-          <a:p>
-            <a:pPr algn="ctr"/>
-            <a:endParaRPr lang="en-US" sz="3200"/>
-          </a:p>
-        </p:txBody>
-      </p:sp>
-      <p:sp>
-        <p:nvSpPr>
-          <p:cNvPr id="96" name="Oval 95"/>
-          <p:cNvSpPr>
-            <a:spLocks noChangeAspect="1"/>
-          </p:cNvSpPr>
-          <p:nvPr/>
-        </p:nvSpPr>
-        <p:spPr>
-          <a:xfrm>
-            <a:off x="5714135" y="1186765"/>
-            <a:ext cx="547910" cy="548640"/>
-          </a:xfrm>
-          <a:prstGeom prst="ellipse">
-            <a:avLst/>
-          </a:prstGeom>
-          <a:solidFill>
-            <a:schemeClr val="accent1">
-              <a:alpha val="16000"/>
-            </a:schemeClr>
-          </a:solidFill>
-          <a:ln>
-            <a:noFill/>
-          </a:ln>
-        </p:spPr>
-        <p:style>
-          <a:lnRef idx="1">
-            <a:schemeClr val="accent1"/>
-          </a:lnRef>
-          <a:fillRef idx="3">
-            <a:schemeClr val="accent1"/>
-          </a:fillRef>
-          <a:effectRef idx="2">
-            <a:schemeClr val="accent1"/>
-          </a:effectRef>
-          <a:fontRef idx="minor">
-            <a:schemeClr val="lt1"/>
-          </a:fontRef>
-        </p:style>
-        <p:txBody>
-          <a:bodyPr rtlCol="0" anchor="ctr"/>
-          <a:lstStyle/>
-          <a:p>
-            <a:pPr algn="ctr"/>
-            <a:endParaRPr lang="en-US" sz="3200"/>
-          </a:p>
-        </p:txBody>
-      </p:sp>
-      <p:sp>
-        <p:nvSpPr>
-          <p:cNvPr id="97" name="Oval 96"/>
-          <p:cNvSpPr>
-            <a:spLocks noChangeAspect="1"/>
-          </p:cNvSpPr>
-          <p:nvPr/>
-        </p:nvSpPr>
-        <p:spPr>
-          <a:xfrm>
-            <a:off x="7105461" y="2005021"/>
-            <a:ext cx="547910" cy="548640"/>
-          </a:xfrm>
-          <a:prstGeom prst="ellipse">
-            <a:avLst/>
-          </a:prstGeom>
-          <a:solidFill>
-            <a:schemeClr val="accent1">
-              <a:alpha val="42000"/>
-            </a:schemeClr>
-          </a:solidFill>
-          <a:ln>
-            <a:noFill/>
-          </a:ln>
-        </p:spPr>
-        <p:style>
-          <a:lnRef idx="1">
-            <a:schemeClr val="accent1"/>
-          </a:lnRef>
-          <a:fillRef idx="3">
-            <a:schemeClr val="accent1"/>
-          </a:fillRef>
-          <a:effectRef idx="2">
-            <a:schemeClr val="accent1"/>
-          </a:effectRef>
-          <a:fontRef idx="minor">
-            <a:schemeClr val="lt1"/>
-          </a:fontRef>
-        </p:style>
-        <p:txBody>
-          <a:bodyPr rtlCol="0" anchor="ctr"/>
-          <a:lstStyle/>
-          <a:p>
-            <a:pPr algn="ctr"/>
-            <a:endParaRPr lang="en-US" sz="3200"/>
-          </a:p>
-        </p:txBody>
-      </p:sp>
-      <p:sp>
-        <p:nvSpPr>
-          <p:cNvPr id="98" name="Oval 97"/>
-          <p:cNvSpPr>
-            <a:spLocks noChangeAspect="1"/>
-          </p:cNvSpPr>
-          <p:nvPr/>
-        </p:nvSpPr>
-        <p:spPr>
-          <a:xfrm>
-            <a:off x="8496787" y="1186765"/>
-            <a:ext cx="547910" cy="548640"/>
-          </a:xfrm>
-          <a:prstGeom prst="ellipse">
-            <a:avLst/>
-          </a:prstGeom>
-          <a:solidFill>
-            <a:schemeClr val="accent1">
-              <a:alpha val="63000"/>
-            </a:schemeClr>
-          </a:solidFill>
-          <a:ln>
-            <a:noFill/>
-          </a:ln>
-        </p:spPr>
-        <p:style>
-          <a:lnRef idx="1">
-            <a:schemeClr val="accent1"/>
-          </a:lnRef>
-          <a:fillRef idx="3">
-            <a:schemeClr val="accent1"/>
-          </a:fillRef>
-          <a:effectRef idx="2">
-            <a:schemeClr val="accent1"/>
-          </a:effectRef>
-          <a:fontRef idx="minor">
-            <a:schemeClr val="lt1"/>
-          </a:fontRef>
-        </p:style>
-        <p:txBody>
-          <a:bodyPr rtlCol="0" anchor="ctr"/>
-          <a:lstStyle/>
-          <a:p>
-            <a:pPr algn="ctr"/>
-            <a:endParaRPr lang="en-US" sz="3200"/>
-          </a:p>
-        </p:txBody>
-      </p:sp>
-      <p:sp>
-        <p:nvSpPr>
-          <p:cNvPr id="99" name="Oval 98"/>
-          <p:cNvSpPr>
-            <a:spLocks noChangeAspect="1"/>
-          </p:cNvSpPr>
-          <p:nvPr/>
-        </p:nvSpPr>
-        <p:spPr>
-          <a:xfrm>
-            <a:off x="6831506" y="1186765"/>
-            <a:ext cx="547910" cy="548640"/>
-          </a:xfrm>
-          <a:prstGeom prst="ellipse">
-            <a:avLst/>
-          </a:prstGeom>
-          <a:solidFill>
-            <a:schemeClr val="accent1"/>
-          </a:solidFill>
-          <a:ln>
-            <a:noFill/>
-          </a:ln>
-        </p:spPr>
-        <p:style>
-          <a:lnRef idx="1">
-            <a:schemeClr val="accent1"/>
-          </a:lnRef>
-          <a:fillRef idx="3">
-            <a:schemeClr val="accent1"/>
-          </a:fillRef>
-          <a:effectRef idx="2">
-            <a:schemeClr val="accent1"/>
-          </a:effectRef>
-          <a:fontRef idx="minor">
-            <a:schemeClr val="lt1"/>
-          </a:fontRef>
-        </p:style>
-        <p:txBody>
-          <a:bodyPr rtlCol="0" anchor="ctr"/>
-          <a:lstStyle/>
-          <a:p>
-            <a:pPr algn="ctr"/>
-            <a:endParaRPr lang="en-US" sz="3200"/>
-          </a:p>
-        </p:txBody>
-      </p:sp>
-      <p:sp>
-        <p:nvSpPr>
-          <p:cNvPr id="100" name="Oval 99"/>
-          <p:cNvSpPr>
-            <a:spLocks noChangeAspect="1"/>
-          </p:cNvSpPr>
-          <p:nvPr/>
-        </p:nvSpPr>
-        <p:spPr>
-          <a:xfrm>
-            <a:off x="6194912" y="317457"/>
-            <a:ext cx="547910" cy="548640"/>
-          </a:xfrm>
-          <a:prstGeom prst="ellipse">
-            <a:avLst/>
-          </a:prstGeom>
-          <a:solidFill>
-            <a:schemeClr val="accent3">
-              <a:lumMod val="50000"/>
-            </a:schemeClr>
-          </a:solidFill>
-          <a:ln>
-            <a:noFill/>
-          </a:ln>
-        </p:spPr>
-        <p:style>
-          <a:lnRef idx="1">
-            <a:schemeClr val="accent1"/>
-          </a:lnRef>
-          <a:fillRef idx="3">
-            <a:schemeClr val="accent1"/>
-          </a:fillRef>
-          <a:effectRef idx="2">
-            <a:schemeClr val="accent1"/>
-          </a:effectRef>
-          <a:fontRef idx="minor">
-            <a:schemeClr val="lt1"/>
-          </a:fontRef>
-        </p:style>
-        <p:txBody>
-          <a:bodyPr rtlCol="0" anchor="ctr"/>
-          <a:lstStyle/>
-          <a:p>
-            <a:pPr algn="ctr"/>
-            <a:endParaRPr lang="en-US" sz="3200"/>
-          </a:p>
-        </p:txBody>
-      </p:sp>
-      <p:sp>
-        <p:nvSpPr>
-          <p:cNvPr id="101" name="Oval 100"/>
-          <p:cNvSpPr>
-            <a:spLocks noChangeAspect="1"/>
-          </p:cNvSpPr>
-          <p:nvPr/>
-        </p:nvSpPr>
-        <p:spPr>
-          <a:xfrm>
-            <a:off x="3415475" y="317457"/>
-            <a:ext cx="547910" cy="548640"/>
-          </a:xfrm>
-          <a:prstGeom prst="ellipse">
-            <a:avLst/>
-          </a:prstGeom>
-          <a:solidFill>
-            <a:srgbClr val="4F6228">
-              <a:alpha val="16000"/>
-            </a:srgbClr>
-          </a:solidFill>
-          <a:ln>
-            <a:noFill/>
-          </a:ln>
-        </p:spPr>
-        <p:style>
-          <a:lnRef idx="1">
-            <a:schemeClr val="accent1"/>
-          </a:lnRef>
-          <a:fillRef idx="3">
-            <a:schemeClr val="accent1"/>
-          </a:fillRef>
-          <a:effectRef idx="2">
-            <a:schemeClr val="accent1"/>
-          </a:effectRef>
-          <a:fontRef idx="minor">
-            <a:schemeClr val="lt1"/>
-          </a:fontRef>
-        </p:style>
-        <p:txBody>
-          <a:bodyPr rtlCol="0" anchor="ctr"/>
-          <a:lstStyle/>
-          <a:p>
-            <a:pPr algn="ctr"/>
-            <a:endParaRPr lang="en-US" sz="3200"/>
-          </a:p>
-        </p:txBody>
-      </p:sp>
-      <p:sp>
-        <p:nvSpPr>
-          <p:cNvPr id="102" name="Oval 101"/>
-          <p:cNvSpPr>
-            <a:spLocks noChangeAspect="1"/>
-          </p:cNvSpPr>
-          <p:nvPr/>
-        </p:nvSpPr>
-        <p:spPr>
-          <a:xfrm>
-            <a:off x="4803586" y="1127672"/>
-            <a:ext cx="547910" cy="548640"/>
-          </a:xfrm>
-          <a:prstGeom prst="ellipse">
-            <a:avLst/>
-          </a:prstGeom>
-          <a:solidFill>
-            <a:srgbClr val="4F6228">
-              <a:alpha val="42000"/>
-            </a:srgbClr>
-          </a:solidFill>
-          <a:ln>
-            <a:noFill/>
-          </a:ln>
-        </p:spPr>
-        <p:style>
-          <a:lnRef idx="1">
-            <a:schemeClr val="accent1"/>
-          </a:lnRef>
-          <a:fillRef idx="3">
-            <a:schemeClr val="accent1"/>
-          </a:fillRef>
-          <a:effectRef idx="2">
-            <a:schemeClr val="accent1"/>
-          </a:effectRef>
-          <a:fontRef idx="minor">
-            <a:schemeClr val="lt1"/>
-          </a:fontRef>
-        </p:style>
-        <p:txBody>
-          <a:bodyPr rtlCol="0" anchor="ctr"/>
-          <a:lstStyle/>
-          <a:p>
-            <a:pPr algn="ctr"/>
-            <a:endParaRPr lang="en-US" sz="3200"/>
-          </a:p>
-        </p:txBody>
-      </p:sp>
-      <p:sp>
-        <p:nvSpPr>
-          <p:cNvPr id="103" name="TextBox 102"/>
-          <p:cNvSpPr txBox="1"/>
-          <p:nvPr/>
-        </p:nvSpPr>
-        <p:spPr>
-          <a:xfrm>
-            <a:off x="3463100" y="252035"/>
-            <a:ext cx="1181100" cy="584776"/>
-          </a:xfrm>
-          <a:prstGeom prst="rect">
-            <a:avLst/>
-          </a:prstGeom>
-          <a:noFill/>
-        </p:spPr>
-        <p:txBody>
-          <a:bodyPr wrap="square" rtlCol="0">
-            <a:spAutoFit/>
-          </a:bodyPr>
-          <a:lstStyle/>
-          <a:p>
-            <a:r>
-              <a:rPr lang="en-US" sz="3200" dirty="0" smtClean="0">
-                <a:solidFill>
-                  <a:schemeClr val="bg1"/>
-                </a:solidFill>
-                <a:latin typeface="Times New Roman"/>
-                <a:cs typeface="Times New Roman"/>
-              </a:rPr>
-              <a:t>A</a:t>
-            </a:r>
-            <a:endParaRPr lang="en-US" sz="3200" dirty="0">
-              <a:solidFill>
-                <a:schemeClr val="bg1"/>
-              </a:solidFill>
-              <a:latin typeface="Times New Roman"/>
-              <a:cs typeface="Times New Roman"/>
-            </a:endParaRPr>
-          </a:p>
-        </p:txBody>
-      </p:sp>
-      <p:sp>
-        <p:nvSpPr>
-          <p:cNvPr id="104" name="TextBox 103"/>
-          <p:cNvSpPr txBox="1"/>
-          <p:nvPr/>
-        </p:nvSpPr>
-        <p:spPr>
-          <a:xfrm>
-            <a:off x="4810767" y="1091536"/>
-            <a:ext cx="1181100" cy="584776"/>
-          </a:xfrm>
-          <a:prstGeom prst="rect">
-            <a:avLst/>
-          </a:prstGeom>
-          <a:noFill/>
-        </p:spPr>
-        <p:txBody>
-          <a:bodyPr wrap="square" rtlCol="0">
-            <a:spAutoFit/>
-          </a:bodyPr>
-          <a:lstStyle/>
-          <a:p>
-            <a:r>
-              <a:rPr lang="en-US" sz="3200" dirty="0" smtClean="0">
-                <a:solidFill>
-                  <a:schemeClr val="bg1"/>
-                </a:solidFill>
-                <a:latin typeface="Times New Roman"/>
-                <a:cs typeface="Times New Roman"/>
-              </a:rPr>
-              <a:t>A</a:t>
-            </a:r>
-            <a:endParaRPr lang="en-US" sz="3200" dirty="0">
-              <a:solidFill>
-                <a:schemeClr val="bg1"/>
-              </a:solidFill>
-              <a:latin typeface="Times New Roman"/>
-              <a:cs typeface="Times New Roman"/>
-            </a:endParaRPr>
-          </a:p>
-        </p:txBody>
-      </p:sp>
-      <p:sp>
-        <p:nvSpPr>
-          <p:cNvPr id="105" name="TextBox 104"/>
-          <p:cNvSpPr txBox="1"/>
-          <p:nvPr/>
-        </p:nvSpPr>
-        <p:spPr>
-          <a:xfrm>
-            <a:off x="6230295" y="251828"/>
-            <a:ext cx="1181100" cy="584776"/>
-          </a:xfrm>
-          <a:prstGeom prst="rect">
-            <a:avLst/>
-          </a:prstGeom>
-          <a:noFill/>
-        </p:spPr>
-        <p:txBody>
-          <a:bodyPr wrap="square" rtlCol="0">
-            <a:spAutoFit/>
-          </a:bodyPr>
-          <a:lstStyle/>
-          <a:p>
-            <a:r>
-              <a:rPr lang="en-US" sz="3200" dirty="0" smtClean="0">
-                <a:solidFill>
-                  <a:schemeClr val="bg1"/>
-                </a:solidFill>
-                <a:latin typeface="Times New Roman"/>
-                <a:cs typeface="Times New Roman"/>
-              </a:rPr>
-              <a:t>A</a:t>
-            </a:r>
-            <a:endParaRPr lang="en-US" sz="3200" dirty="0">
-              <a:solidFill>
-                <a:schemeClr val="bg1"/>
-              </a:solidFill>
-              <a:latin typeface="Times New Roman"/>
-              <a:cs typeface="Times New Roman"/>
-            </a:endParaRPr>
-          </a:p>
-        </p:txBody>
-      </p:sp>
       <p:grpSp>
         <p:nvGrpSpPr>
-          <p:cNvPr id="106" name="Group 105"/>
+          <p:cNvPr id="2" name="Group 1"/>
           <p:cNvGrpSpPr/>
           <p:nvPr/>
         </p:nvGrpSpPr>
         <p:grpSpPr>
           <a:xfrm>
-            <a:off x="3686215" y="623591"/>
-            <a:ext cx="2782652" cy="818256"/>
-            <a:chOff x="4860965" y="583736"/>
-            <a:chExt cx="2782652" cy="818256"/>
+            <a:off x="0" y="0"/>
+            <a:ext cx="9730497" cy="2553661"/>
+            <a:chOff x="0" y="0"/>
+            <a:chExt cx="9730497" cy="2553661"/>
           </a:xfrm>
         </p:grpSpPr>
         <p:cxnSp>
           <p:nvCxnSpPr>
-            <p:cNvPr id="107" name="Straight Arrow Connector 106"/>
+            <p:cNvPr id="85" name="Straight Arrow Connector 84"/>
             <p:cNvCxnSpPr/>
             <p:nvPr/>
           </p:nvCxnSpPr>
           <p:spPr>
             <a:xfrm>
-              <a:off x="4860965" y="583736"/>
+              <a:off x="120690" y="1226582"/>
               <a:ext cx="1391326" cy="818256"/>
             </a:xfrm>
             <a:prstGeom prst="straightConnector1">
@@ -4046,13 +3148,13 @@
         </p:cxnSp>
         <p:cxnSp>
           <p:nvCxnSpPr>
-            <p:cNvPr id="108" name="Straight Arrow Connector 107"/>
+            <p:cNvPr id="86" name="Straight Arrow Connector 85"/>
             <p:cNvCxnSpPr/>
             <p:nvPr/>
           </p:nvCxnSpPr>
           <p:spPr>
             <a:xfrm flipV="1">
-              <a:off x="6252291" y="583736"/>
+              <a:off x="1512016" y="1226582"/>
               <a:ext cx="1391326" cy="818256"/>
             </a:xfrm>
             <a:prstGeom prst="straightConnector1">
@@ -4083,13 +3185,13 @@
         </p:cxnSp>
         <p:cxnSp>
           <p:nvCxnSpPr>
-            <p:cNvPr id="109" name="Straight Arrow Connector 108"/>
+            <p:cNvPr id="87" name="Straight Arrow Connector 86"/>
             <p:cNvCxnSpPr/>
             <p:nvPr/>
           </p:nvCxnSpPr>
           <p:spPr>
             <a:xfrm flipH="1">
-              <a:off x="5922017" y="583736"/>
+              <a:off x="1181742" y="1226582"/>
               <a:ext cx="1721600" cy="0"/>
             </a:xfrm>
             <a:prstGeom prst="straightConnector1">
@@ -4118,294 +3220,23 @@
             </a:fontRef>
           </p:style>
         </p:cxnSp>
-      </p:grpSp>
-      <p:sp>
-        <p:nvSpPr>
-          <p:cNvPr id="110" name="TextBox 109"/>
-          <p:cNvSpPr txBox="1"/>
-          <p:nvPr/>
-        </p:nvSpPr>
-        <p:spPr>
-          <a:xfrm>
-            <a:off x="5761760" y="1127672"/>
-            <a:ext cx="1181100" cy="584776"/>
-          </a:xfrm>
-          <a:prstGeom prst="rect">
-            <a:avLst/>
-          </a:prstGeom>
-          <a:noFill/>
-        </p:spPr>
-        <p:txBody>
-          <a:bodyPr wrap="square" rtlCol="0">
-            <a:spAutoFit/>
-          </a:bodyPr>
-          <a:lstStyle/>
-          <a:p>
-            <a:r>
-              <a:rPr lang="en-US" sz="3200" dirty="0" smtClean="0">
-                <a:solidFill>
-                  <a:schemeClr val="bg1"/>
-                </a:solidFill>
-                <a:latin typeface="Times New Roman"/>
-                <a:cs typeface="Times New Roman"/>
-              </a:rPr>
-              <a:t>B</a:t>
-            </a:r>
-            <a:endParaRPr lang="en-US" sz="3200" dirty="0">
-              <a:solidFill>
-                <a:schemeClr val="bg1"/>
-              </a:solidFill>
-              <a:latin typeface="Times New Roman"/>
-              <a:cs typeface="Times New Roman"/>
-            </a:endParaRPr>
-          </a:p>
-        </p:txBody>
-      </p:sp>
-      <p:sp>
-        <p:nvSpPr>
-          <p:cNvPr id="111" name="TextBox 110"/>
-          <p:cNvSpPr txBox="1"/>
-          <p:nvPr/>
-        </p:nvSpPr>
-        <p:spPr>
-          <a:xfrm>
-            <a:off x="7148804" y="1968885"/>
-            <a:ext cx="1181100" cy="584776"/>
-          </a:xfrm>
-          <a:prstGeom prst="rect">
-            <a:avLst/>
-          </a:prstGeom>
-          <a:noFill/>
-        </p:spPr>
-        <p:txBody>
-          <a:bodyPr wrap="square" rtlCol="0">
-            <a:spAutoFit/>
-          </a:bodyPr>
-          <a:lstStyle/>
-          <a:p>
-            <a:r>
-              <a:rPr lang="en-US" sz="3200" dirty="0" smtClean="0">
-                <a:solidFill>
-                  <a:schemeClr val="bg1"/>
-                </a:solidFill>
-                <a:latin typeface="Times New Roman"/>
-                <a:cs typeface="Times New Roman"/>
-              </a:rPr>
-              <a:t>B</a:t>
-            </a:r>
-            <a:endParaRPr lang="en-US" sz="3200" dirty="0">
-              <a:solidFill>
-                <a:schemeClr val="bg1"/>
-              </a:solidFill>
-              <a:latin typeface="Times New Roman"/>
-              <a:cs typeface="Times New Roman"/>
-            </a:endParaRPr>
-          </a:p>
-        </p:txBody>
-      </p:sp>
-      <p:sp>
-        <p:nvSpPr>
-          <p:cNvPr id="112" name="TextBox 111"/>
-          <p:cNvSpPr txBox="1"/>
-          <p:nvPr/>
-        </p:nvSpPr>
-        <p:spPr>
-          <a:xfrm>
-            <a:off x="8549397" y="1155015"/>
-            <a:ext cx="1181100" cy="584776"/>
-          </a:xfrm>
-          <a:prstGeom prst="rect">
-            <a:avLst/>
-          </a:prstGeom>
-          <a:noFill/>
-        </p:spPr>
-        <p:txBody>
-          <a:bodyPr wrap="square" rtlCol="0">
-            <a:spAutoFit/>
-          </a:bodyPr>
-          <a:lstStyle/>
-          <a:p>
-            <a:r>
-              <a:rPr lang="en-US" sz="3200" dirty="0" smtClean="0">
-                <a:solidFill>
-                  <a:schemeClr val="bg1"/>
-                </a:solidFill>
-                <a:latin typeface="Times New Roman"/>
-                <a:cs typeface="Times New Roman"/>
-              </a:rPr>
-              <a:t>B</a:t>
-            </a:r>
-            <a:endParaRPr lang="en-US" sz="3200" dirty="0">
-              <a:solidFill>
-                <a:schemeClr val="bg1"/>
-              </a:solidFill>
-              <a:latin typeface="Times New Roman"/>
-              <a:cs typeface="Times New Roman"/>
-            </a:endParaRPr>
-          </a:p>
-        </p:txBody>
-      </p:sp>
-      <p:sp>
-        <p:nvSpPr>
-          <p:cNvPr id="113" name="TextBox 112"/>
-          <p:cNvSpPr txBox="1"/>
-          <p:nvPr/>
-        </p:nvSpPr>
-        <p:spPr>
-          <a:xfrm>
-            <a:off x="7806487" y="1147207"/>
-            <a:ext cx="1181100" cy="584776"/>
-          </a:xfrm>
-          <a:prstGeom prst="rect">
-            <a:avLst/>
-          </a:prstGeom>
-          <a:noFill/>
-        </p:spPr>
-        <p:txBody>
-          <a:bodyPr wrap="square" rtlCol="0">
-            <a:spAutoFit/>
-          </a:bodyPr>
-          <a:lstStyle/>
-          <a:p>
-            <a:r>
-              <a:rPr lang="en-US" sz="3200" dirty="0" smtClean="0">
-                <a:solidFill>
-                  <a:schemeClr val="bg1"/>
-                </a:solidFill>
-                <a:latin typeface="Times New Roman"/>
-                <a:cs typeface="Times New Roman"/>
-              </a:rPr>
-              <a:t>B</a:t>
-            </a:r>
-            <a:endParaRPr lang="en-US" sz="3200" dirty="0">
-              <a:solidFill>
-                <a:schemeClr val="bg1"/>
-              </a:solidFill>
-              <a:latin typeface="Times New Roman"/>
-              <a:cs typeface="Times New Roman"/>
-            </a:endParaRPr>
-          </a:p>
-        </p:txBody>
-      </p:sp>
-      <p:sp>
-        <p:nvSpPr>
-          <p:cNvPr id="114" name="TextBox 113"/>
-          <p:cNvSpPr txBox="1"/>
-          <p:nvPr/>
-        </p:nvSpPr>
-        <p:spPr>
-          <a:xfrm>
-            <a:off x="7338884" y="1153022"/>
-            <a:ext cx="1181100" cy="584776"/>
-          </a:xfrm>
-          <a:prstGeom prst="rect">
-            <a:avLst/>
-          </a:prstGeom>
-          <a:noFill/>
-        </p:spPr>
-        <p:txBody>
-          <a:bodyPr wrap="square" rtlCol="0">
-            <a:spAutoFit/>
-          </a:bodyPr>
-          <a:lstStyle/>
-          <a:p>
-            <a:r>
-              <a:rPr lang="en-US" sz="3200" dirty="0" smtClean="0">
-                <a:solidFill>
-                  <a:schemeClr val="bg1"/>
-                </a:solidFill>
-                <a:latin typeface="Times New Roman"/>
-                <a:cs typeface="Times New Roman"/>
-              </a:rPr>
-              <a:t>B</a:t>
-            </a:r>
-            <a:endParaRPr lang="en-US" sz="3200" dirty="0">
-              <a:solidFill>
-                <a:schemeClr val="bg1"/>
-              </a:solidFill>
-              <a:latin typeface="Times New Roman"/>
-              <a:cs typeface="Times New Roman"/>
-            </a:endParaRPr>
-          </a:p>
-        </p:txBody>
-      </p:sp>
-      <p:sp>
-        <p:nvSpPr>
-          <p:cNvPr id="115" name="TextBox 114"/>
-          <p:cNvSpPr txBox="1"/>
-          <p:nvPr/>
-        </p:nvSpPr>
-        <p:spPr>
-          <a:xfrm>
-            <a:off x="6895911" y="1131332"/>
-            <a:ext cx="1181100" cy="584776"/>
-          </a:xfrm>
-          <a:prstGeom prst="rect">
-            <a:avLst/>
-          </a:prstGeom>
-          <a:noFill/>
-        </p:spPr>
-        <p:txBody>
-          <a:bodyPr wrap="square" rtlCol="0">
-            <a:spAutoFit/>
-          </a:bodyPr>
-          <a:lstStyle/>
-          <a:p>
-            <a:r>
-              <a:rPr lang="en-US" sz="3200" dirty="0" smtClean="0">
-                <a:solidFill>
-                  <a:schemeClr val="bg1"/>
-                </a:solidFill>
-                <a:latin typeface="Times New Roman"/>
-                <a:cs typeface="Times New Roman"/>
-              </a:rPr>
-              <a:t>B</a:t>
-            </a:r>
-            <a:endParaRPr lang="en-US" sz="3200" dirty="0">
-              <a:solidFill>
-                <a:schemeClr val="bg1"/>
-              </a:solidFill>
-              <a:latin typeface="Times New Roman"/>
-              <a:cs typeface="Times New Roman"/>
-            </a:endParaRPr>
-          </a:p>
-        </p:txBody>
-      </p:sp>
-      <p:grpSp>
-        <p:nvGrpSpPr>
-          <p:cNvPr id="116" name="Group 115"/>
-          <p:cNvGrpSpPr/>
-          <p:nvPr/>
-        </p:nvGrpSpPr>
-        <p:grpSpPr>
-          <a:xfrm>
-            <a:off x="5988090" y="1441847"/>
-            <a:ext cx="2782652" cy="818256"/>
-            <a:chOff x="5797590" y="1969085"/>
-            <a:chExt cx="2782652" cy="818256"/>
-          </a:xfrm>
-        </p:grpSpPr>
-        <p:cxnSp>
-          <p:nvCxnSpPr>
-            <p:cNvPr id="117" name="Straight Arrow Connector 116"/>
-            <p:cNvCxnSpPr/>
+        <p:sp>
+          <p:nvSpPr>
+            <p:cNvPr id="88" name="Right Brace 87"/>
+            <p:cNvSpPr/>
             <p:nvPr/>
-          </p:nvCxnSpPr>
+          </p:nvSpPr>
           <p:spPr>
-            <a:xfrm>
-              <a:off x="5797590" y="1969085"/>
-              <a:ext cx="1391326" cy="818256"/>
+            <a:xfrm rot="16200000">
+              <a:off x="1418634" y="-491844"/>
+              <a:ext cx="186764" cy="2782652"/>
             </a:xfrm>
-            <a:prstGeom prst="straightConnector1">
-              <a:avLst/>
+            <a:prstGeom prst="rightBrace">
+              <a:avLst>
+                <a:gd name="adj1" fmla="val 72933"/>
+                <a:gd name="adj2" fmla="val 50000"/>
+              </a:avLst>
             </a:prstGeom>
-            <a:ln w="38100" cmpd="sng">
-              <a:solidFill>
-                <a:srgbClr val="FF0000"/>
-              </a:solidFill>
-              <a:headEnd type="none"/>
-              <a:tailEnd type="triangle"/>
-            </a:ln>
           </p:spPr>
           <p:style>
             <a:lnRef idx="2">
@@ -4421,28 +3252,32 @@
               <a:schemeClr val="tx1"/>
             </a:fontRef>
           </p:style>
-        </p:cxnSp>
-        <p:cxnSp>
-          <p:nvCxnSpPr>
-            <p:cNvPr id="118" name="Straight Arrow Connector 117"/>
-            <p:cNvCxnSpPr/>
+          <p:txBody>
+            <a:bodyPr rtlCol="0" anchor="ctr"/>
+            <a:lstStyle/>
+            <a:p>
+              <a:pPr algn="ctr"/>
+              <a:endParaRPr lang="en-US" sz="3200"/>
+            </a:p>
+          </p:txBody>
+        </p:sp>
+        <p:sp>
+          <p:nvSpPr>
+            <p:cNvPr id="89" name="Right Brace 88"/>
+            <p:cNvSpPr/>
             <p:nvPr/>
-          </p:nvCxnSpPr>
+          </p:nvSpPr>
           <p:spPr>
-            <a:xfrm flipV="1">
-              <a:off x="7188916" y="1969085"/>
-              <a:ext cx="1391326" cy="818256"/>
+            <a:xfrm rot="16200000">
+              <a:off x="1949160" y="210132"/>
+              <a:ext cx="186764" cy="1721600"/>
             </a:xfrm>
-            <a:prstGeom prst="straightConnector1">
-              <a:avLst/>
+            <a:prstGeom prst="rightBrace">
+              <a:avLst>
+                <a:gd name="adj1" fmla="val 72933"/>
+                <a:gd name="adj2" fmla="val 50000"/>
+              </a:avLst>
             </a:prstGeom>
-            <a:ln w="38100" cmpd="sng">
-              <a:solidFill>
-                <a:srgbClr val="FF0000"/>
-              </a:solidFill>
-              <a:headEnd type="none"/>
-              <a:tailEnd type="triangle"/>
-            </a:ln>
           </p:spPr>
           <p:style>
             <a:lnRef idx="2">
@@ -4458,28 +3293,32 @@
               <a:schemeClr val="tx1"/>
             </a:fontRef>
           </p:style>
-        </p:cxnSp>
-        <p:cxnSp>
-          <p:nvCxnSpPr>
-            <p:cNvPr id="119" name="Straight Arrow Connector 118"/>
-            <p:cNvCxnSpPr/>
+          <p:txBody>
+            <a:bodyPr rtlCol="0" anchor="ctr"/>
+            <a:lstStyle/>
+            <a:p>
+              <a:pPr algn="ctr"/>
+              <a:endParaRPr lang="en-US" sz="3200"/>
+            </a:p>
+          </p:txBody>
+        </p:sp>
+        <p:sp>
+          <p:nvSpPr>
+            <p:cNvPr id="90" name="Right Brace 89"/>
+            <p:cNvSpPr/>
             <p:nvPr/>
-          </p:nvCxnSpPr>
+          </p:nvSpPr>
           <p:spPr>
-            <a:xfrm flipH="1">
-              <a:off x="6858642" y="1969085"/>
-              <a:ext cx="1721600" cy="0"/>
+            <a:xfrm>
+              <a:off x="2958810" y="1226582"/>
+              <a:ext cx="186764" cy="818256"/>
             </a:xfrm>
-            <a:prstGeom prst="straightConnector1">
-              <a:avLst/>
+            <a:prstGeom prst="rightBrace">
+              <a:avLst>
+                <a:gd name="adj1" fmla="val 72933"/>
+                <a:gd name="adj2" fmla="val 50000"/>
+              </a:avLst>
             </a:prstGeom>
-            <a:ln w="38100" cmpd="sng">
-              <a:solidFill>
-                <a:srgbClr val="FF0000"/>
-              </a:solidFill>
-              <a:headEnd type="none"/>
-              <a:tailEnd type="triangle"/>
-            </a:ln>
           </p:spPr>
           <p:style>
             <a:lnRef idx="2">
@@ -4495,85 +3334,1090 @@
               <a:schemeClr val="tx1"/>
             </a:fontRef>
           </p:style>
-        </p:cxnSp>
-      </p:grpSp>
-      <p:sp>
-        <p:nvSpPr>
-          <p:cNvPr id="84" name="Rectangle 83"/>
-          <p:cNvSpPr/>
-          <p:nvPr/>
-        </p:nvSpPr>
-        <p:spPr>
-          <a:xfrm>
-            <a:off x="0" y="0"/>
-            <a:ext cx="9167040" cy="317457"/>
-          </a:xfrm>
-          <a:prstGeom prst="rect">
-            <a:avLst/>
-          </a:prstGeom>
-          <a:solidFill>
-            <a:srgbClr val="FC028B"/>
-          </a:solidFill>
-        </p:spPr>
-        <p:style>
-          <a:lnRef idx="1">
-            <a:schemeClr val="accent2"/>
-          </a:lnRef>
-          <a:fillRef idx="3">
-            <a:schemeClr val="accent2"/>
-          </a:fillRef>
-          <a:effectRef idx="2">
-            <a:schemeClr val="accent2"/>
-          </a:effectRef>
-          <a:fontRef idx="minor">
-            <a:schemeClr val="lt1"/>
-          </a:fontRef>
-        </p:style>
-        <p:txBody>
-          <a:bodyPr rtlCol="0" anchor="ctr"/>
-          <a:lstStyle/>
-          <a:p>
-            <a:pPr algn="ctr"/>
-            <a:endParaRPr lang="en-US" sz="3200"/>
-          </a:p>
-        </p:txBody>
-      </p:sp>
-      <p:sp>
-        <p:nvSpPr>
-          <p:cNvPr id="122" name="TextBox 121"/>
-          <p:cNvSpPr txBox="1"/>
-          <p:nvPr/>
-        </p:nvSpPr>
-        <p:spPr>
-          <a:xfrm>
-            <a:off x="1251934" y="1226582"/>
-            <a:ext cx="1181100" cy="584776"/>
-          </a:xfrm>
-          <a:prstGeom prst="rect">
-            <a:avLst/>
-          </a:prstGeom>
-          <a:noFill/>
-        </p:spPr>
-        <p:txBody>
-          <a:bodyPr wrap="square" rtlCol="0">
-            <a:spAutoFit/>
-          </a:bodyPr>
-          <a:lstStyle/>
-          <a:p>
-            <a:r>
-              <a:rPr lang="en-US" sz="3200" dirty="0" smtClean="0">
+          <p:txBody>
+            <a:bodyPr rtlCol="0" anchor="ctr"/>
+            <a:lstStyle/>
+            <a:p>
+              <a:pPr algn="ctr"/>
+              <a:endParaRPr lang="en-US" sz="3200"/>
+            </a:p>
+          </p:txBody>
+        </p:sp>
+        <p:sp>
+          <p:nvSpPr>
+            <p:cNvPr id="91" name="TextBox 90"/>
+            <p:cNvSpPr txBox="1"/>
+            <p:nvPr/>
+          </p:nvSpPr>
+          <p:spPr>
+            <a:xfrm>
+              <a:off x="1308068" y="231352"/>
+              <a:ext cx="476624" cy="584776"/>
+            </a:xfrm>
+            <a:prstGeom prst="rect">
+              <a:avLst/>
+            </a:prstGeom>
+            <a:noFill/>
+          </p:spPr>
+          <p:txBody>
+            <a:bodyPr wrap="square" rtlCol="0">
+              <a:spAutoFit/>
+            </a:bodyPr>
+            <a:lstStyle/>
+            <a:p>
+              <a:r>
+                <a:rPr lang="en-US" sz="3200" dirty="0" smtClean="0">
+                  <a:latin typeface="Times New Roman"/>
+                  <a:cs typeface="Times New Roman"/>
+                </a:rPr>
+                <a:t>β</a:t>
+              </a:r>
+              <a:endParaRPr lang="en-US" sz="3200" dirty="0">
                 <a:latin typeface="Times New Roman"/>
                 <a:cs typeface="Times New Roman"/>
-              </a:rPr>
-              <a:t>3.)</a:t>
-            </a:r>
-            <a:endParaRPr lang="en-US" sz="3200" dirty="0">
-              <a:latin typeface="Times New Roman"/>
-              <a:cs typeface="Times New Roman"/>
-            </a:endParaRPr>
-          </a:p>
-        </p:txBody>
-      </p:sp>
+              </a:endParaRPr>
+            </a:p>
+          </p:txBody>
+        </p:sp>
+        <p:sp>
+          <p:nvSpPr>
+            <p:cNvPr id="92" name="TextBox 91"/>
+            <p:cNvSpPr txBox="1"/>
+            <p:nvPr/>
+          </p:nvSpPr>
+          <p:spPr>
+            <a:xfrm>
+              <a:off x="3129699" y="1266199"/>
+              <a:ext cx="1181100" cy="584776"/>
+            </a:xfrm>
+            <a:prstGeom prst="rect">
+              <a:avLst/>
+            </a:prstGeom>
+            <a:noFill/>
+          </p:spPr>
+          <p:txBody>
+            <a:bodyPr wrap="square" rtlCol="0">
+              <a:spAutoFit/>
+            </a:bodyPr>
+            <a:lstStyle/>
+            <a:p>
+              <a:r>
+                <a:rPr lang="en-US" sz="3200" dirty="0" err="1" smtClean="0">
+                  <a:latin typeface="Times New Roman"/>
+                  <a:cs typeface="Times New Roman"/>
+                </a:rPr>
+                <a:t>ε</a:t>
+              </a:r>
+              <a:endParaRPr lang="en-US" sz="3200" dirty="0">
+                <a:latin typeface="Times New Roman"/>
+                <a:cs typeface="Times New Roman"/>
+              </a:endParaRPr>
+            </a:p>
+          </p:txBody>
+        </p:sp>
+        <p:sp>
+          <p:nvSpPr>
+            <p:cNvPr id="93" name="TextBox 92"/>
+            <p:cNvSpPr txBox="1"/>
+            <p:nvPr/>
+          </p:nvSpPr>
+          <p:spPr>
+            <a:xfrm>
+              <a:off x="1848492" y="366917"/>
+              <a:ext cx="1181100" cy="584776"/>
+            </a:xfrm>
+            <a:prstGeom prst="rect">
+              <a:avLst/>
+            </a:prstGeom>
+            <a:noFill/>
+          </p:spPr>
+          <p:txBody>
+            <a:bodyPr wrap="square" rtlCol="0">
+              <a:spAutoFit/>
+            </a:bodyPr>
+            <a:lstStyle/>
+            <a:p>
+              <a:r>
+                <a:rPr lang="en-US" sz="3200" dirty="0" smtClean="0">
+                  <a:latin typeface="Times New Roman"/>
+                  <a:cs typeface="Times New Roman"/>
+                </a:rPr>
+                <a:t>α</a:t>
+              </a:r>
+              <a:endParaRPr lang="en-US" sz="3200" dirty="0">
+                <a:latin typeface="Times New Roman"/>
+                <a:cs typeface="Times New Roman"/>
+              </a:endParaRPr>
+            </a:p>
+          </p:txBody>
+        </p:sp>
+        <p:sp>
+          <p:nvSpPr>
+            <p:cNvPr id="96" name="Oval 95"/>
+            <p:cNvSpPr>
+              <a:spLocks noChangeAspect="1"/>
+            </p:cNvSpPr>
+            <p:nvPr/>
+          </p:nvSpPr>
+          <p:spPr>
+            <a:xfrm>
+              <a:off x="5714135" y="1186765"/>
+              <a:ext cx="547910" cy="548640"/>
+            </a:xfrm>
+            <a:prstGeom prst="ellipse">
+              <a:avLst/>
+            </a:prstGeom>
+            <a:solidFill>
+              <a:schemeClr val="accent1">
+                <a:alpha val="16000"/>
+              </a:schemeClr>
+            </a:solidFill>
+            <a:ln>
+              <a:noFill/>
+            </a:ln>
+          </p:spPr>
+          <p:style>
+            <a:lnRef idx="1">
+              <a:schemeClr val="accent1"/>
+            </a:lnRef>
+            <a:fillRef idx="3">
+              <a:schemeClr val="accent1"/>
+            </a:fillRef>
+            <a:effectRef idx="2">
+              <a:schemeClr val="accent1"/>
+            </a:effectRef>
+            <a:fontRef idx="minor">
+              <a:schemeClr val="lt1"/>
+            </a:fontRef>
+          </p:style>
+          <p:txBody>
+            <a:bodyPr rtlCol="0" anchor="ctr"/>
+            <a:lstStyle/>
+            <a:p>
+              <a:pPr algn="ctr"/>
+              <a:endParaRPr lang="en-US" sz="3200"/>
+            </a:p>
+          </p:txBody>
+        </p:sp>
+        <p:sp>
+          <p:nvSpPr>
+            <p:cNvPr id="97" name="Oval 96"/>
+            <p:cNvSpPr>
+              <a:spLocks noChangeAspect="1"/>
+            </p:cNvSpPr>
+            <p:nvPr/>
+          </p:nvSpPr>
+          <p:spPr>
+            <a:xfrm>
+              <a:off x="7105461" y="2005021"/>
+              <a:ext cx="547910" cy="548640"/>
+            </a:xfrm>
+            <a:prstGeom prst="ellipse">
+              <a:avLst/>
+            </a:prstGeom>
+            <a:solidFill>
+              <a:schemeClr val="accent1">
+                <a:alpha val="42000"/>
+              </a:schemeClr>
+            </a:solidFill>
+            <a:ln>
+              <a:noFill/>
+            </a:ln>
+          </p:spPr>
+          <p:style>
+            <a:lnRef idx="1">
+              <a:schemeClr val="accent1"/>
+            </a:lnRef>
+            <a:fillRef idx="3">
+              <a:schemeClr val="accent1"/>
+            </a:fillRef>
+            <a:effectRef idx="2">
+              <a:schemeClr val="accent1"/>
+            </a:effectRef>
+            <a:fontRef idx="minor">
+              <a:schemeClr val="lt1"/>
+            </a:fontRef>
+          </p:style>
+          <p:txBody>
+            <a:bodyPr rtlCol="0" anchor="ctr"/>
+            <a:lstStyle/>
+            <a:p>
+              <a:pPr algn="ctr"/>
+              <a:endParaRPr lang="en-US" sz="3200"/>
+            </a:p>
+          </p:txBody>
+        </p:sp>
+        <p:sp>
+          <p:nvSpPr>
+            <p:cNvPr id="98" name="Oval 97"/>
+            <p:cNvSpPr>
+              <a:spLocks noChangeAspect="1"/>
+            </p:cNvSpPr>
+            <p:nvPr/>
+          </p:nvSpPr>
+          <p:spPr>
+            <a:xfrm>
+              <a:off x="8496787" y="1186765"/>
+              <a:ext cx="547910" cy="548640"/>
+            </a:xfrm>
+            <a:prstGeom prst="ellipse">
+              <a:avLst/>
+            </a:prstGeom>
+            <a:solidFill>
+              <a:schemeClr val="accent1">
+                <a:alpha val="63000"/>
+              </a:schemeClr>
+            </a:solidFill>
+            <a:ln>
+              <a:noFill/>
+            </a:ln>
+          </p:spPr>
+          <p:style>
+            <a:lnRef idx="1">
+              <a:schemeClr val="accent1"/>
+            </a:lnRef>
+            <a:fillRef idx="3">
+              <a:schemeClr val="accent1"/>
+            </a:fillRef>
+            <a:effectRef idx="2">
+              <a:schemeClr val="accent1"/>
+            </a:effectRef>
+            <a:fontRef idx="minor">
+              <a:schemeClr val="lt1"/>
+            </a:fontRef>
+          </p:style>
+          <p:txBody>
+            <a:bodyPr rtlCol="0" anchor="ctr"/>
+            <a:lstStyle/>
+            <a:p>
+              <a:pPr algn="ctr"/>
+              <a:endParaRPr lang="en-US" sz="3200"/>
+            </a:p>
+          </p:txBody>
+        </p:sp>
+        <p:sp>
+          <p:nvSpPr>
+            <p:cNvPr id="99" name="Oval 98"/>
+            <p:cNvSpPr>
+              <a:spLocks noChangeAspect="1"/>
+            </p:cNvSpPr>
+            <p:nvPr/>
+          </p:nvSpPr>
+          <p:spPr>
+            <a:xfrm>
+              <a:off x="6831506" y="1186765"/>
+              <a:ext cx="547910" cy="548640"/>
+            </a:xfrm>
+            <a:prstGeom prst="ellipse">
+              <a:avLst/>
+            </a:prstGeom>
+            <a:solidFill>
+              <a:schemeClr val="accent1"/>
+            </a:solidFill>
+            <a:ln>
+              <a:noFill/>
+            </a:ln>
+          </p:spPr>
+          <p:style>
+            <a:lnRef idx="1">
+              <a:schemeClr val="accent1"/>
+            </a:lnRef>
+            <a:fillRef idx="3">
+              <a:schemeClr val="accent1"/>
+            </a:fillRef>
+            <a:effectRef idx="2">
+              <a:schemeClr val="accent1"/>
+            </a:effectRef>
+            <a:fontRef idx="minor">
+              <a:schemeClr val="lt1"/>
+            </a:fontRef>
+          </p:style>
+          <p:txBody>
+            <a:bodyPr rtlCol="0" anchor="ctr"/>
+            <a:lstStyle/>
+            <a:p>
+              <a:pPr algn="ctr"/>
+              <a:endParaRPr lang="en-US" sz="3200"/>
+            </a:p>
+          </p:txBody>
+        </p:sp>
+        <p:sp>
+          <p:nvSpPr>
+            <p:cNvPr id="100" name="Oval 99"/>
+            <p:cNvSpPr>
+              <a:spLocks noChangeAspect="1"/>
+            </p:cNvSpPr>
+            <p:nvPr/>
+          </p:nvSpPr>
+          <p:spPr>
+            <a:xfrm>
+              <a:off x="6194912" y="317457"/>
+              <a:ext cx="547910" cy="548640"/>
+            </a:xfrm>
+            <a:prstGeom prst="ellipse">
+              <a:avLst/>
+            </a:prstGeom>
+            <a:solidFill>
+              <a:schemeClr val="accent3">
+                <a:lumMod val="50000"/>
+              </a:schemeClr>
+            </a:solidFill>
+            <a:ln>
+              <a:noFill/>
+            </a:ln>
+          </p:spPr>
+          <p:style>
+            <a:lnRef idx="1">
+              <a:schemeClr val="accent1"/>
+            </a:lnRef>
+            <a:fillRef idx="3">
+              <a:schemeClr val="accent1"/>
+            </a:fillRef>
+            <a:effectRef idx="2">
+              <a:schemeClr val="accent1"/>
+            </a:effectRef>
+            <a:fontRef idx="minor">
+              <a:schemeClr val="lt1"/>
+            </a:fontRef>
+          </p:style>
+          <p:txBody>
+            <a:bodyPr rtlCol="0" anchor="ctr"/>
+            <a:lstStyle/>
+            <a:p>
+              <a:pPr algn="ctr"/>
+              <a:endParaRPr lang="en-US" sz="3200"/>
+            </a:p>
+          </p:txBody>
+        </p:sp>
+        <p:sp>
+          <p:nvSpPr>
+            <p:cNvPr id="101" name="Oval 100"/>
+            <p:cNvSpPr>
+              <a:spLocks noChangeAspect="1"/>
+            </p:cNvSpPr>
+            <p:nvPr/>
+          </p:nvSpPr>
+          <p:spPr>
+            <a:xfrm>
+              <a:off x="3415475" y="317457"/>
+              <a:ext cx="547910" cy="548640"/>
+            </a:xfrm>
+            <a:prstGeom prst="ellipse">
+              <a:avLst/>
+            </a:prstGeom>
+            <a:solidFill>
+              <a:srgbClr val="4F6228">
+                <a:alpha val="16000"/>
+              </a:srgbClr>
+            </a:solidFill>
+            <a:ln>
+              <a:noFill/>
+            </a:ln>
+          </p:spPr>
+          <p:style>
+            <a:lnRef idx="1">
+              <a:schemeClr val="accent1"/>
+            </a:lnRef>
+            <a:fillRef idx="3">
+              <a:schemeClr val="accent1"/>
+            </a:fillRef>
+            <a:effectRef idx="2">
+              <a:schemeClr val="accent1"/>
+            </a:effectRef>
+            <a:fontRef idx="minor">
+              <a:schemeClr val="lt1"/>
+            </a:fontRef>
+          </p:style>
+          <p:txBody>
+            <a:bodyPr rtlCol="0" anchor="ctr"/>
+            <a:lstStyle/>
+            <a:p>
+              <a:pPr algn="ctr"/>
+              <a:endParaRPr lang="en-US" sz="3200"/>
+            </a:p>
+          </p:txBody>
+        </p:sp>
+        <p:sp>
+          <p:nvSpPr>
+            <p:cNvPr id="102" name="Oval 101"/>
+            <p:cNvSpPr>
+              <a:spLocks noChangeAspect="1"/>
+            </p:cNvSpPr>
+            <p:nvPr/>
+          </p:nvSpPr>
+          <p:spPr>
+            <a:xfrm>
+              <a:off x="4803586" y="1127672"/>
+              <a:ext cx="547910" cy="548640"/>
+            </a:xfrm>
+            <a:prstGeom prst="ellipse">
+              <a:avLst/>
+            </a:prstGeom>
+            <a:solidFill>
+              <a:srgbClr val="4F6228">
+                <a:alpha val="42000"/>
+              </a:srgbClr>
+            </a:solidFill>
+            <a:ln>
+              <a:noFill/>
+            </a:ln>
+          </p:spPr>
+          <p:style>
+            <a:lnRef idx="1">
+              <a:schemeClr val="accent1"/>
+            </a:lnRef>
+            <a:fillRef idx="3">
+              <a:schemeClr val="accent1"/>
+            </a:fillRef>
+            <a:effectRef idx="2">
+              <a:schemeClr val="accent1"/>
+            </a:effectRef>
+            <a:fontRef idx="minor">
+              <a:schemeClr val="lt1"/>
+            </a:fontRef>
+          </p:style>
+          <p:txBody>
+            <a:bodyPr rtlCol="0" anchor="ctr"/>
+            <a:lstStyle/>
+            <a:p>
+              <a:pPr algn="ctr"/>
+              <a:endParaRPr lang="en-US" sz="3200"/>
+            </a:p>
+          </p:txBody>
+        </p:sp>
+        <p:sp>
+          <p:nvSpPr>
+            <p:cNvPr id="103" name="TextBox 102"/>
+            <p:cNvSpPr txBox="1"/>
+            <p:nvPr/>
+          </p:nvSpPr>
+          <p:spPr>
+            <a:xfrm>
+              <a:off x="3463100" y="252035"/>
+              <a:ext cx="1181100" cy="584776"/>
+            </a:xfrm>
+            <a:prstGeom prst="rect">
+              <a:avLst/>
+            </a:prstGeom>
+            <a:noFill/>
+          </p:spPr>
+          <p:txBody>
+            <a:bodyPr wrap="square" rtlCol="0">
+              <a:spAutoFit/>
+            </a:bodyPr>
+            <a:lstStyle/>
+            <a:p>
+              <a:r>
+                <a:rPr lang="en-US" sz="3200" dirty="0" smtClean="0">
+                  <a:solidFill>
+                    <a:schemeClr val="bg1"/>
+                  </a:solidFill>
+                  <a:latin typeface="Times New Roman"/>
+                  <a:cs typeface="Times New Roman"/>
+                </a:rPr>
+                <a:t>A</a:t>
+              </a:r>
+              <a:endParaRPr lang="en-US" sz="3200" dirty="0">
+                <a:solidFill>
+                  <a:schemeClr val="bg1"/>
+                </a:solidFill>
+                <a:latin typeface="Times New Roman"/>
+                <a:cs typeface="Times New Roman"/>
+              </a:endParaRPr>
+            </a:p>
+          </p:txBody>
+        </p:sp>
+        <p:sp>
+          <p:nvSpPr>
+            <p:cNvPr id="104" name="TextBox 103"/>
+            <p:cNvSpPr txBox="1"/>
+            <p:nvPr/>
+          </p:nvSpPr>
+          <p:spPr>
+            <a:xfrm>
+              <a:off x="4810767" y="1091536"/>
+              <a:ext cx="1181100" cy="584776"/>
+            </a:xfrm>
+            <a:prstGeom prst="rect">
+              <a:avLst/>
+            </a:prstGeom>
+            <a:noFill/>
+          </p:spPr>
+          <p:txBody>
+            <a:bodyPr wrap="square" rtlCol="0">
+              <a:spAutoFit/>
+            </a:bodyPr>
+            <a:lstStyle/>
+            <a:p>
+              <a:r>
+                <a:rPr lang="en-US" sz="3200" dirty="0" smtClean="0">
+                  <a:solidFill>
+                    <a:schemeClr val="bg1"/>
+                  </a:solidFill>
+                  <a:latin typeface="Times New Roman"/>
+                  <a:cs typeface="Times New Roman"/>
+                </a:rPr>
+                <a:t>A</a:t>
+              </a:r>
+              <a:endParaRPr lang="en-US" sz="3200" dirty="0">
+                <a:solidFill>
+                  <a:schemeClr val="bg1"/>
+                </a:solidFill>
+                <a:latin typeface="Times New Roman"/>
+                <a:cs typeface="Times New Roman"/>
+              </a:endParaRPr>
+            </a:p>
+          </p:txBody>
+        </p:sp>
+        <p:sp>
+          <p:nvSpPr>
+            <p:cNvPr id="105" name="TextBox 104"/>
+            <p:cNvSpPr txBox="1"/>
+            <p:nvPr/>
+          </p:nvSpPr>
+          <p:spPr>
+            <a:xfrm>
+              <a:off x="6230295" y="251828"/>
+              <a:ext cx="1181100" cy="584776"/>
+            </a:xfrm>
+            <a:prstGeom prst="rect">
+              <a:avLst/>
+            </a:prstGeom>
+            <a:noFill/>
+          </p:spPr>
+          <p:txBody>
+            <a:bodyPr wrap="square" rtlCol="0">
+              <a:spAutoFit/>
+            </a:bodyPr>
+            <a:lstStyle/>
+            <a:p>
+              <a:r>
+                <a:rPr lang="en-US" sz="3200" dirty="0" smtClean="0">
+                  <a:solidFill>
+                    <a:schemeClr val="bg1"/>
+                  </a:solidFill>
+                  <a:latin typeface="Times New Roman"/>
+                  <a:cs typeface="Times New Roman"/>
+                </a:rPr>
+                <a:t>A</a:t>
+              </a:r>
+              <a:endParaRPr lang="en-US" sz="3200" dirty="0">
+                <a:solidFill>
+                  <a:schemeClr val="bg1"/>
+                </a:solidFill>
+                <a:latin typeface="Times New Roman"/>
+                <a:cs typeface="Times New Roman"/>
+              </a:endParaRPr>
+            </a:p>
+          </p:txBody>
+        </p:sp>
+        <p:grpSp>
+          <p:nvGrpSpPr>
+            <p:cNvPr id="106" name="Group 105"/>
+            <p:cNvGrpSpPr/>
+            <p:nvPr/>
+          </p:nvGrpSpPr>
+          <p:grpSpPr>
+            <a:xfrm>
+              <a:off x="3686215" y="623591"/>
+              <a:ext cx="2782652" cy="818256"/>
+              <a:chOff x="4860965" y="583736"/>
+              <a:chExt cx="2782652" cy="818256"/>
+            </a:xfrm>
+          </p:grpSpPr>
+          <p:cxnSp>
+            <p:nvCxnSpPr>
+              <p:cNvPr id="107" name="Straight Arrow Connector 106"/>
+              <p:cNvCxnSpPr/>
+              <p:nvPr/>
+            </p:nvCxnSpPr>
+            <p:spPr>
+              <a:xfrm>
+                <a:off x="4860965" y="583736"/>
+                <a:ext cx="1391326" cy="818256"/>
+              </a:xfrm>
+              <a:prstGeom prst="straightConnector1">
+                <a:avLst/>
+              </a:prstGeom>
+              <a:ln w="38100" cmpd="sng">
+                <a:solidFill>
+                  <a:srgbClr val="FF0000"/>
+                </a:solidFill>
+                <a:headEnd type="none"/>
+                <a:tailEnd type="triangle"/>
+              </a:ln>
+            </p:spPr>
+            <p:style>
+              <a:lnRef idx="2">
+                <a:schemeClr val="accent1"/>
+              </a:lnRef>
+              <a:fillRef idx="0">
+                <a:schemeClr val="accent1"/>
+              </a:fillRef>
+              <a:effectRef idx="1">
+                <a:schemeClr val="accent1"/>
+              </a:effectRef>
+              <a:fontRef idx="minor">
+                <a:schemeClr val="tx1"/>
+              </a:fontRef>
+            </p:style>
+          </p:cxnSp>
+          <p:cxnSp>
+            <p:nvCxnSpPr>
+              <p:cNvPr id="108" name="Straight Arrow Connector 107"/>
+              <p:cNvCxnSpPr/>
+              <p:nvPr/>
+            </p:nvCxnSpPr>
+            <p:spPr>
+              <a:xfrm flipV="1">
+                <a:off x="6252291" y="583736"/>
+                <a:ext cx="1391326" cy="818256"/>
+              </a:xfrm>
+              <a:prstGeom prst="straightConnector1">
+                <a:avLst/>
+              </a:prstGeom>
+              <a:ln w="38100" cmpd="sng">
+                <a:solidFill>
+                  <a:srgbClr val="FF0000"/>
+                </a:solidFill>
+                <a:headEnd type="none"/>
+                <a:tailEnd type="triangle"/>
+              </a:ln>
+            </p:spPr>
+            <p:style>
+              <a:lnRef idx="2">
+                <a:schemeClr val="accent1"/>
+              </a:lnRef>
+              <a:fillRef idx="0">
+                <a:schemeClr val="accent1"/>
+              </a:fillRef>
+              <a:effectRef idx="1">
+                <a:schemeClr val="accent1"/>
+              </a:effectRef>
+              <a:fontRef idx="minor">
+                <a:schemeClr val="tx1"/>
+              </a:fontRef>
+            </p:style>
+          </p:cxnSp>
+          <p:cxnSp>
+            <p:nvCxnSpPr>
+              <p:cNvPr id="109" name="Straight Arrow Connector 108"/>
+              <p:cNvCxnSpPr/>
+              <p:nvPr/>
+            </p:nvCxnSpPr>
+            <p:spPr>
+              <a:xfrm flipH="1">
+                <a:off x="5922017" y="583736"/>
+                <a:ext cx="1721600" cy="0"/>
+              </a:xfrm>
+              <a:prstGeom prst="straightConnector1">
+                <a:avLst/>
+              </a:prstGeom>
+              <a:ln w="38100" cmpd="sng">
+                <a:solidFill>
+                  <a:srgbClr val="FF0000"/>
+                </a:solidFill>
+                <a:headEnd type="none"/>
+                <a:tailEnd type="triangle"/>
+              </a:ln>
+            </p:spPr>
+            <p:style>
+              <a:lnRef idx="2">
+                <a:schemeClr val="accent1"/>
+              </a:lnRef>
+              <a:fillRef idx="0">
+                <a:schemeClr val="accent1"/>
+              </a:fillRef>
+              <a:effectRef idx="1">
+                <a:schemeClr val="accent1"/>
+              </a:effectRef>
+              <a:fontRef idx="minor">
+                <a:schemeClr val="tx1"/>
+              </a:fontRef>
+            </p:style>
+          </p:cxnSp>
+        </p:grpSp>
+        <p:sp>
+          <p:nvSpPr>
+            <p:cNvPr id="110" name="TextBox 109"/>
+            <p:cNvSpPr txBox="1"/>
+            <p:nvPr/>
+          </p:nvSpPr>
+          <p:spPr>
+            <a:xfrm>
+              <a:off x="5761760" y="1127672"/>
+              <a:ext cx="1181100" cy="584776"/>
+            </a:xfrm>
+            <a:prstGeom prst="rect">
+              <a:avLst/>
+            </a:prstGeom>
+            <a:noFill/>
+          </p:spPr>
+          <p:txBody>
+            <a:bodyPr wrap="square" rtlCol="0">
+              <a:spAutoFit/>
+            </a:bodyPr>
+            <a:lstStyle/>
+            <a:p>
+              <a:r>
+                <a:rPr lang="en-US" sz="3200" dirty="0" smtClean="0">
+                  <a:solidFill>
+                    <a:schemeClr val="bg1"/>
+                  </a:solidFill>
+                  <a:latin typeface="Times New Roman"/>
+                  <a:cs typeface="Times New Roman"/>
+                </a:rPr>
+                <a:t>B</a:t>
+              </a:r>
+              <a:endParaRPr lang="en-US" sz="3200" dirty="0">
+                <a:solidFill>
+                  <a:schemeClr val="bg1"/>
+                </a:solidFill>
+                <a:latin typeface="Times New Roman"/>
+                <a:cs typeface="Times New Roman"/>
+              </a:endParaRPr>
+            </a:p>
+          </p:txBody>
+        </p:sp>
+        <p:sp>
+          <p:nvSpPr>
+            <p:cNvPr id="111" name="TextBox 110"/>
+            <p:cNvSpPr txBox="1"/>
+            <p:nvPr/>
+          </p:nvSpPr>
+          <p:spPr>
+            <a:xfrm>
+              <a:off x="7148804" y="1968885"/>
+              <a:ext cx="1181100" cy="584776"/>
+            </a:xfrm>
+            <a:prstGeom prst="rect">
+              <a:avLst/>
+            </a:prstGeom>
+            <a:noFill/>
+          </p:spPr>
+          <p:txBody>
+            <a:bodyPr wrap="square" rtlCol="0">
+              <a:spAutoFit/>
+            </a:bodyPr>
+            <a:lstStyle/>
+            <a:p>
+              <a:r>
+                <a:rPr lang="en-US" sz="3200" dirty="0" smtClean="0">
+                  <a:solidFill>
+                    <a:schemeClr val="bg1"/>
+                  </a:solidFill>
+                  <a:latin typeface="Times New Roman"/>
+                  <a:cs typeface="Times New Roman"/>
+                </a:rPr>
+                <a:t>B</a:t>
+              </a:r>
+              <a:endParaRPr lang="en-US" sz="3200" dirty="0">
+                <a:solidFill>
+                  <a:schemeClr val="bg1"/>
+                </a:solidFill>
+                <a:latin typeface="Times New Roman"/>
+                <a:cs typeface="Times New Roman"/>
+              </a:endParaRPr>
+            </a:p>
+          </p:txBody>
+        </p:sp>
+        <p:sp>
+          <p:nvSpPr>
+            <p:cNvPr id="112" name="TextBox 111"/>
+            <p:cNvSpPr txBox="1"/>
+            <p:nvPr/>
+          </p:nvSpPr>
+          <p:spPr>
+            <a:xfrm>
+              <a:off x="8549397" y="1155015"/>
+              <a:ext cx="1181100" cy="584776"/>
+            </a:xfrm>
+            <a:prstGeom prst="rect">
+              <a:avLst/>
+            </a:prstGeom>
+            <a:noFill/>
+          </p:spPr>
+          <p:txBody>
+            <a:bodyPr wrap="square" rtlCol="0">
+              <a:spAutoFit/>
+            </a:bodyPr>
+            <a:lstStyle/>
+            <a:p>
+              <a:r>
+                <a:rPr lang="en-US" sz="3200" dirty="0" smtClean="0">
+                  <a:solidFill>
+                    <a:schemeClr val="bg1"/>
+                  </a:solidFill>
+                  <a:latin typeface="Times New Roman"/>
+                  <a:cs typeface="Times New Roman"/>
+                </a:rPr>
+                <a:t>B</a:t>
+              </a:r>
+              <a:endParaRPr lang="en-US" sz="3200" dirty="0">
+                <a:solidFill>
+                  <a:schemeClr val="bg1"/>
+                </a:solidFill>
+                <a:latin typeface="Times New Roman"/>
+                <a:cs typeface="Times New Roman"/>
+              </a:endParaRPr>
+            </a:p>
+          </p:txBody>
+        </p:sp>
+        <p:sp>
+          <p:nvSpPr>
+            <p:cNvPr id="114" name="TextBox 113"/>
+            <p:cNvSpPr txBox="1"/>
+            <p:nvPr/>
+          </p:nvSpPr>
+          <p:spPr>
+            <a:xfrm>
+              <a:off x="6880752" y="1153022"/>
+              <a:ext cx="530643" cy="584776"/>
+            </a:xfrm>
+            <a:prstGeom prst="rect">
+              <a:avLst/>
+            </a:prstGeom>
+            <a:noFill/>
+          </p:spPr>
+          <p:txBody>
+            <a:bodyPr wrap="square" rtlCol="0">
+              <a:spAutoFit/>
+            </a:bodyPr>
+            <a:lstStyle/>
+            <a:p>
+              <a:r>
+                <a:rPr lang="en-US" sz="3200" dirty="0" smtClean="0">
+                  <a:solidFill>
+                    <a:schemeClr val="bg1"/>
+                  </a:solidFill>
+                  <a:latin typeface="Times New Roman"/>
+                  <a:cs typeface="Times New Roman"/>
+                </a:rPr>
+                <a:t>B</a:t>
+              </a:r>
+              <a:endParaRPr lang="en-US" sz="3200" dirty="0">
+                <a:solidFill>
+                  <a:schemeClr val="bg1"/>
+                </a:solidFill>
+                <a:latin typeface="Times New Roman"/>
+                <a:cs typeface="Times New Roman"/>
+              </a:endParaRPr>
+            </a:p>
+          </p:txBody>
+        </p:sp>
+        <p:grpSp>
+          <p:nvGrpSpPr>
+            <p:cNvPr id="116" name="Group 115"/>
+            <p:cNvGrpSpPr/>
+            <p:nvPr/>
+          </p:nvGrpSpPr>
+          <p:grpSpPr>
+            <a:xfrm>
+              <a:off x="5988090" y="1441847"/>
+              <a:ext cx="2782652" cy="818256"/>
+              <a:chOff x="5797590" y="1969085"/>
+              <a:chExt cx="2782652" cy="818256"/>
+            </a:xfrm>
+          </p:grpSpPr>
+          <p:cxnSp>
+            <p:nvCxnSpPr>
+              <p:cNvPr id="117" name="Straight Arrow Connector 116"/>
+              <p:cNvCxnSpPr/>
+              <p:nvPr/>
+            </p:nvCxnSpPr>
+            <p:spPr>
+              <a:xfrm>
+                <a:off x="5797590" y="1969085"/>
+                <a:ext cx="1391326" cy="818256"/>
+              </a:xfrm>
+              <a:prstGeom prst="straightConnector1">
+                <a:avLst/>
+              </a:prstGeom>
+              <a:ln w="38100" cmpd="sng">
+                <a:solidFill>
+                  <a:srgbClr val="FF0000"/>
+                </a:solidFill>
+                <a:headEnd type="none"/>
+                <a:tailEnd type="triangle"/>
+              </a:ln>
+            </p:spPr>
+            <p:style>
+              <a:lnRef idx="2">
+                <a:schemeClr val="accent1"/>
+              </a:lnRef>
+              <a:fillRef idx="0">
+                <a:schemeClr val="accent1"/>
+              </a:fillRef>
+              <a:effectRef idx="1">
+                <a:schemeClr val="accent1"/>
+              </a:effectRef>
+              <a:fontRef idx="minor">
+                <a:schemeClr val="tx1"/>
+              </a:fontRef>
+            </p:style>
+          </p:cxnSp>
+          <p:cxnSp>
+            <p:nvCxnSpPr>
+              <p:cNvPr id="118" name="Straight Arrow Connector 117"/>
+              <p:cNvCxnSpPr/>
+              <p:nvPr/>
+            </p:nvCxnSpPr>
+            <p:spPr>
+              <a:xfrm flipV="1">
+                <a:off x="7188916" y="1969085"/>
+                <a:ext cx="1391326" cy="818256"/>
+              </a:xfrm>
+              <a:prstGeom prst="straightConnector1">
+                <a:avLst/>
+              </a:prstGeom>
+              <a:ln w="38100" cmpd="sng">
+                <a:solidFill>
+                  <a:srgbClr val="FF0000"/>
+                </a:solidFill>
+                <a:headEnd type="none"/>
+                <a:tailEnd type="triangle"/>
+              </a:ln>
+            </p:spPr>
+            <p:style>
+              <a:lnRef idx="2">
+                <a:schemeClr val="accent1"/>
+              </a:lnRef>
+              <a:fillRef idx="0">
+                <a:schemeClr val="accent1"/>
+              </a:fillRef>
+              <a:effectRef idx="1">
+                <a:schemeClr val="accent1"/>
+              </a:effectRef>
+              <a:fontRef idx="minor">
+                <a:schemeClr val="tx1"/>
+              </a:fontRef>
+            </p:style>
+          </p:cxnSp>
+          <p:cxnSp>
+            <p:nvCxnSpPr>
+              <p:cNvPr id="119" name="Straight Arrow Connector 118"/>
+              <p:cNvCxnSpPr/>
+              <p:nvPr/>
+            </p:nvCxnSpPr>
+            <p:spPr>
+              <a:xfrm flipH="1">
+                <a:off x="6858642" y="1969085"/>
+                <a:ext cx="1721600" cy="0"/>
+              </a:xfrm>
+              <a:prstGeom prst="straightConnector1">
+                <a:avLst/>
+              </a:prstGeom>
+              <a:ln w="38100" cmpd="sng">
+                <a:solidFill>
+                  <a:srgbClr val="FF0000"/>
+                </a:solidFill>
+                <a:headEnd type="none"/>
+                <a:tailEnd type="triangle"/>
+              </a:ln>
+            </p:spPr>
+            <p:style>
+              <a:lnRef idx="2">
+                <a:schemeClr val="accent1"/>
+              </a:lnRef>
+              <a:fillRef idx="0">
+                <a:schemeClr val="accent1"/>
+              </a:fillRef>
+              <a:effectRef idx="1">
+                <a:schemeClr val="accent1"/>
+              </a:effectRef>
+              <a:fontRef idx="minor">
+                <a:schemeClr val="tx1"/>
+              </a:fontRef>
+            </p:style>
+          </p:cxnSp>
+        </p:grpSp>
+        <p:sp>
+          <p:nvSpPr>
+            <p:cNvPr id="84" name="Rectangle 83"/>
+            <p:cNvSpPr/>
+            <p:nvPr/>
+          </p:nvSpPr>
+          <p:spPr>
+            <a:xfrm>
+              <a:off x="0" y="0"/>
+              <a:ext cx="9167040" cy="317457"/>
+            </a:xfrm>
+            <a:prstGeom prst="rect">
+              <a:avLst/>
+            </a:prstGeom>
+            <a:solidFill>
+              <a:schemeClr val="accent2">
+                <a:lumMod val="50000"/>
+              </a:schemeClr>
+            </a:solidFill>
+            <a:ln>
+              <a:solidFill>
+                <a:schemeClr val="accent2">
+                  <a:lumMod val="50000"/>
+                </a:schemeClr>
+              </a:solidFill>
+            </a:ln>
+          </p:spPr>
+          <p:style>
+            <a:lnRef idx="1">
+              <a:schemeClr val="accent2"/>
+            </a:lnRef>
+            <a:fillRef idx="3">
+              <a:schemeClr val="accent2"/>
+            </a:fillRef>
+            <a:effectRef idx="2">
+              <a:schemeClr val="accent2"/>
+            </a:effectRef>
+            <a:fontRef idx="minor">
+              <a:schemeClr val="lt1"/>
+            </a:fontRef>
+          </p:style>
+          <p:txBody>
+            <a:bodyPr rtlCol="0" anchor="ctr"/>
+            <a:lstStyle/>
+            <a:p>
+              <a:pPr algn="ctr"/>
+              <a:endParaRPr lang="en-US" sz="3200"/>
+            </a:p>
+          </p:txBody>
+        </p:sp>
+        <p:sp>
+          <p:nvSpPr>
+            <p:cNvPr id="122" name="TextBox 121"/>
+            <p:cNvSpPr txBox="1"/>
+            <p:nvPr/>
+          </p:nvSpPr>
+          <p:spPr>
+            <a:xfrm>
+              <a:off x="1251934" y="1226582"/>
+              <a:ext cx="1181100" cy="584776"/>
+            </a:xfrm>
+            <a:prstGeom prst="rect">
+              <a:avLst/>
+            </a:prstGeom>
+            <a:noFill/>
+          </p:spPr>
+          <p:txBody>
+            <a:bodyPr wrap="square" rtlCol="0">
+              <a:spAutoFit/>
+            </a:bodyPr>
+            <a:lstStyle/>
+            <a:p>
+              <a:r>
+                <a:rPr lang="en-US" sz="3200" dirty="0" smtClean="0">
+                  <a:latin typeface="Times New Roman"/>
+                  <a:cs typeface="Times New Roman"/>
+                </a:rPr>
+                <a:t>3.)</a:t>
+              </a:r>
+              <a:endParaRPr lang="en-US" sz="3200" dirty="0">
+                <a:latin typeface="Times New Roman"/>
+                <a:cs typeface="Times New Roman"/>
+              </a:endParaRPr>
+            </a:p>
+          </p:txBody>
+        </p:sp>
+      </p:grpSp>
     </p:spTree>
     <p:extLst>
       <p:ext uri="{BB962C8B-B14F-4D97-AF65-F5344CB8AC3E}">
